--- a/docs/Notes_on_Multi-criteria_optimization.pptx
+++ b/docs/Notes_on_Multi-criteria_optimization.pptx
@@ -8899,6 +8899,876 @@
           </p:txBody>
         </p:sp>
       </p:grpSp>
+      <p:sp>
+        <p:nvSpPr>
+          <p:cNvPr id="97" name="Freeform 96">
+            <a:extLst>
+              <a:ext uri="{FF2B5EF4-FFF2-40B4-BE49-F238E27FC236}">
+                <a16:creationId xmlns:a16="http://schemas.microsoft.com/office/drawing/2014/main" id="{00AC7785-A216-1B6D-E110-C9D3E051943A}"/>
+              </a:ext>
+            </a:extLst>
+          </p:cNvPr>
+          <p:cNvSpPr/>
+          <p:nvPr/>
+        </p:nvSpPr>
+        <p:spPr>
+          <a:xfrm>
+            <a:off x="9734495" y="2009907"/>
+            <a:ext cx="1184420" cy="975335"/>
+          </a:xfrm>
+          <a:custGeom>
+            <a:avLst/>
+            <a:gdLst>
+              <a:gd name="connsiteX0" fmla="*/ 92130 w 1184420"/>
+              <a:gd name="connsiteY0" fmla="*/ 203068 h 975335"/>
+              <a:gd name="connsiteX1" fmla="*/ 15930 w 1184420"/>
+              <a:gd name="connsiteY1" fmla="*/ 390393 h 975335"/>
+              <a:gd name="connsiteX2" fmla="*/ 55 w 1184420"/>
+              <a:gd name="connsiteY2" fmla="*/ 517393 h 975335"/>
+              <a:gd name="connsiteX3" fmla="*/ 12755 w 1184420"/>
+              <a:gd name="connsiteY3" fmla="*/ 612643 h 975335"/>
+              <a:gd name="connsiteX4" fmla="*/ 60380 w 1184420"/>
+              <a:gd name="connsiteY4" fmla="*/ 739643 h 975335"/>
+              <a:gd name="connsiteX5" fmla="*/ 133405 w 1184420"/>
+              <a:gd name="connsiteY5" fmla="*/ 844418 h 975335"/>
+              <a:gd name="connsiteX6" fmla="*/ 171505 w 1184420"/>
+              <a:gd name="connsiteY6" fmla="*/ 866643 h 975335"/>
+              <a:gd name="connsiteX7" fmla="*/ 260405 w 1184420"/>
+              <a:gd name="connsiteY7" fmla="*/ 914268 h 975335"/>
+              <a:gd name="connsiteX8" fmla="*/ 330255 w 1184420"/>
+              <a:gd name="connsiteY8" fmla="*/ 936493 h 975335"/>
+              <a:gd name="connsiteX9" fmla="*/ 463605 w 1184420"/>
+              <a:gd name="connsiteY9" fmla="*/ 965068 h 975335"/>
+              <a:gd name="connsiteX10" fmla="*/ 542980 w 1184420"/>
+              <a:gd name="connsiteY10" fmla="*/ 968243 h 975335"/>
+              <a:gd name="connsiteX11" fmla="*/ 631880 w 1184420"/>
+              <a:gd name="connsiteY11" fmla="*/ 974593 h 975335"/>
+              <a:gd name="connsiteX12" fmla="*/ 720780 w 1184420"/>
+              <a:gd name="connsiteY12" fmla="*/ 949193 h 975335"/>
+              <a:gd name="connsiteX13" fmla="*/ 822380 w 1184420"/>
+              <a:gd name="connsiteY13" fmla="*/ 898393 h 975335"/>
+              <a:gd name="connsiteX14" fmla="*/ 904930 w 1184420"/>
+              <a:gd name="connsiteY14" fmla="*/ 850768 h 975335"/>
+              <a:gd name="connsiteX15" fmla="*/ 1012880 w 1184420"/>
+              <a:gd name="connsiteY15" fmla="*/ 736468 h 975335"/>
+              <a:gd name="connsiteX16" fmla="*/ 1079555 w 1184420"/>
+              <a:gd name="connsiteY16" fmla="*/ 618993 h 975335"/>
+              <a:gd name="connsiteX17" fmla="*/ 1120830 w 1184420"/>
+              <a:gd name="connsiteY17" fmla="*/ 533268 h 975335"/>
+              <a:gd name="connsiteX18" fmla="*/ 1152580 w 1184420"/>
+              <a:gd name="connsiteY18" fmla="*/ 438018 h 975335"/>
+              <a:gd name="connsiteX19" fmla="*/ 1171630 w 1184420"/>
+              <a:gd name="connsiteY19" fmla="*/ 342768 h 975335"/>
+              <a:gd name="connsiteX20" fmla="*/ 1184330 w 1184420"/>
+              <a:gd name="connsiteY20" fmla="*/ 222118 h 975335"/>
+              <a:gd name="connsiteX21" fmla="*/ 1165280 w 1184420"/>
+              <a:gd name="connsiteY21" fmla="*/ 130043 h 975335"/>
+              <a:gd name="connsiteX22" fmla="*/ 1104955 w 1184420"/>
+              <a:gd name="connsiteY22" fmla="*/ 104643 h 975335"/>
+              <a:gd name="connsiteX23" fmla="*/ 1060505 w 1184420"/>
+              <a:gd name="connsiteY23" fmla="*/ 110993 h 975335"/>
+              <a:gd name="connsiteX24" fmla="*/ 1025580 w 1184420"/>
+              <a:gd name="connsiteY24" fmla="*/ 126868 h 975335"/>
+              <a:gd name="connsiteX25" fmla="*/ 936680 w 1184420"/>
+              <a:gd name="connsiteY25" fmla="*/ 212593 h 975335"/>
+              <a:gd name="connsiteX26" fmla="*/ 892230 w 1184420"/>
+              <a:gd name="connsiteY26" fmla="*/ 301493 h 975335"/>
+              <a:gd name="connsiteX27" fmla="*/ 873180 w 1184420"/>
+              <a:gd name="connsiteY27" fmla="*/ 361818 h 975335"/>
+              <a:gd name="connsiteX28" fmla="*/ 866830 w 1184420"/>
+              <a:gd name="connsiteY28" fmla="*/ 393568 h 975335"/>
+              <a:gd name="connsiteX29" fmla="*/ 828730 w 1184420"/>
+              <a:gd name="connsiteY29" fmla="*/ 466593 h 975335"/>
+              <a:gd name="connsiteX30" fmla="*/ 784280 w 1184420"/>
+              <a:gd name="connsiteY30" fmla="*/ 517393 h 975335"/>
+              <a:gd name="connsiteX31" fmla="*/ 727130 w 1184420"/>
+              <a:gd name="connsiteY31" fmla="*/ 545968 h 975335"/>
+              <a:gd name="connsiteX32" fmla="*/ 657280 w 1184420"/>
+              <a:gd name="connsiteY32" fmla="*/ 542793 h 975335"/>
+              <a:gd name="connsiteX33" fmla="*/ 628705 w 1184420"/>
+              <a:gd name="connsiteY33" fmla="*/ 507868 h 975335"/>
+              <a:gd name="connsiteX34" fmla="*/ 616005 w 1184420"/>
+              <a:gd name="connsiteY34" fmla="*/ 444368 h 975335"/>
+              <a:gd name="connsiteX35" fmla="*/ 616005 w 1184420"/>
+              <a:gd name="connsiteY35" fmla="*/ 399918 h 975335"/>
+              <a:gd name="connsiteX36" fmla="*/ 628705 w 1184420"/>
+              <a:gd name="connsiteY36" fmla="*/ 352293 h 975335"/>
+              <a:gd name="connsiteX37" fmla="*/ 641405 w 1184420"/>
+              <a:gd name="connsiteY37" fmla="*/ 295143 h 975335"/>
+              <a:gd name="connsiteX38" fmla="*/ 641405 w 1184420"/>
+              <a:gd name="connsiteY38" fmla="*/ 279268 h 975335"/>
+              <a:gd name="connsiteX39" fmla="*/ 635055 w 1184420"/>
+              <a:gd name="connsiteY39" fmla="*/ 241168 h 975335"/>
+              <a:gd name="connsiteX40" fmla="*/ 606480 w 1184420"/>
+              <a:gd name="connsiteY40" fmla="*/ 187193 h 975335"/>
+              <a:gd name="connsiteX41" fmla="*/ 571555 w 1184420"/>
+              <a:gd name="connsiteY41" fmla="*/ 161793 h 975335"/>
+              <a:gd name="connsiteX42" fmla="*/ 514405 w 1184420"/>
+              <a:gd name="connsiteY42" fmla="*/ 155443 h 975335"/>
+              <a:gd name="connsiteX43" fmla="*/ 482655 w 1184420"/>
+              <a:gd name="connsiteY43" fmla="*/ 171318 h 975335"/>
+              <a:gd name="connsiteX44" fmla="*/ 441380 w 1184420"/>
+              <a:gd name="connsiteY44" fmla="*/ 225293 h 975335"/>
+              <a:gd name="connsiteX45" fmla="*/ 425505 w 1184420"/>
+              <a:gd name="connsiteY45" fmla="*/ 250693 h 975335"/>
+              <a:gd name="connsiteX46" fmla="*/ 403280 w 1184420"/>
+              <a:gd name="connsiteY46" fmla="*/ 260218 h 975335"/>
+              <a:gd name="connsiteX47" fmla="*/ 349305 w 1184420"/>
+              <a:gd name="connsiteY47" fmla="*/ 253868 h 975335"/>
+              <a:gd name="connsiteX48" fmla="*/ 327080 w 1184420"/>
+              <a:gd name="connsiteY48" fmla="*/ 247518 h 975335"/>
+              <a:gd name="connsiteX49" fmla="*/ 323905 w 1184420"/>
+              <a:gd name="connsiteY49" fmla="*/ 203068 h 975335"/>
+              <a:gd name="connsiteX50" fmla="*/ 342955 w 1184420"/>
+              <a:gd name="connsiteY50" fmla="*/ 171318 h 975335"/>
+              <a:gd name="connsiteX51" fmla="*/ 365180 w 1184420"/>
+              <a:gd name="connsiteY51" fmla="*/ 152268 h 975335"/>
+              <a:gd name="connsiteX52" fmla="*/ 406455 w 1184420"/>
+              <a:gd name="connsiteY52" fmla="*/ 126868 h 975335"/>
+              <a:gd name="connsiteX53" fmla="*/ 406455 w 1184420"/>
+              <a:gd name="connsiteY53" fmla="*/ 126868 h 975335"/>
+              <a:gd name="connsiteX54" fmla="*/ 438205 w 1184420"/>
+              <a:gd name="connsiteY54" fmla="*/ 66543 h 975335"/>
+              <a:gd name="connsiteX55" fmla="*/ 422330 w 1184420"/>
+              <a:gd name="connsiteY55" fmla="*/ 3043 h 975335"/>
+              <a:gd name="connsiteX56" fmla="*/ 362005 w 1184420"/>
+              <a:gd name="connsiteY56" fmla="*/ 9393 h 975335"/>
+              <a:gd name="connsiteX57" fmla="*/ 362005 w 1184420"/>
+              <a:gd name="connsiteY57" fmla="*/ 22093 h 975335"/>
+              <a:gd name="connsiteX58" fmla="*/ 320730 w 1184420"/>
+              <a:gd name="connsiteY58" fmla="*/ 34793 h 975335"/>
+              <a:gd name="connsiteX59" fmla="*/ 254055 w 1184420"/>
+              <a:gd name="connsiteY59" fmla="*/ 22093 h 975335"/>
+              <a:gd name="connsiteX60" fmla="*/ 231830 w 1184420"/>
+              <a:gd name="connsiteY60" fmla="*/ 28443 h 975335"/>
+              <a:gd name="connsiteX61" fmla="*/ 219130 w 1184420"/>
+              <a:gd name="connsiteY61" fmla="*/ 66543 h 975335"/>
+              <a:gd name="connsiteX62" fmla="*/ 174680 w 1184420"/>
+              <a:gd name="connsiteY62" fmla="*/ 123693 h 975335"/>
+              <a:gd name="connsiteX63" fmla="*/ 139755 w 1184420"/>
+              <a:gd name="connsiteY63" fmla="*/ 164968 h 975335"/>
+              <a:gd name="connsiteX64" fmla="*/ 92130 w 1184420"/>
+              <a:gd name="connsiteY64" fmla="*/ 203068 h 975335"/>
+            </a:gdLst>
+            <a:ahLst/>
+            <a:cxnLst>
+              <a:cxn ang="0">
+                <a:pos x="connsiteX0" y="connsiteY0"/>
+              </a:cxn>
+              <a:cxn ang="0">
+                <a:pos x="connsiteX1" y="connsiteY1"/>
+              </a:cxn>
+              <a:cxn ang="0">
+                <a:pos x="connsiteX2" y="connsiteY2"/>
+              </a:cxn>
+              <a:cxn ang="0">
+                <a:pos x="connsiteX3" y="connsiteY3"/>
+              </a:cxn>
+              <a:cxn ang="0">
+                <a:pos x="connsiteX4" y="connsiteY4"/>
+              </a:cxn>
+              <a:cxn ang="0">
+                <a:pos x="connsiteX5" y="connsiteY5"/>
+              </a:cxn>
+              <a:cxn ang="0">
+                <a:pos x="connsiteX6" y="connsiteY6"/>
+              </a:cxn>
+              <a:cxn ang="0">
+                <a:pos x="connsiteX7" y="connsiteY7"/>
+              </a:cxn>
+              <a:cxn ang="0">
+                <a:pos x="connsiteX8" y="connsiteY8"/>
+              </a:cxn>
+              <a:cxn ang="0">
+                <a:pos x="connsiteX9" y="connsiteY9"/>
+              </a:cxn>
+              <a:cxn ang="0">
+                <a:pos x="connsiteX10" y="connsiteY10"/>
+              </a:cxn>
+              <a:cxn ang="0">
+                <a:pos x="connsiteX11" y="connsiteY11"/>
+              </a:cxn>
+              <a:cxn ang="0">
+                <a:pos x="connsiteX12" y="connsiteY12"/>
+              </a:cxn>
+              <a:cxn ang="0">
+                <a:pos x="connsiteX13" y="connsiteY13"/>
+              </a:cxn>
+              <a:cxn ang="0">
+                <a:pos x="connsiteX14" y="connsiteY14"/>
+              </a:cxn>
+              <a:cxn ang="0">
+                <a:pos x="connsiteX15" y="connsiteY15"/>
+              </a:cxn>
+              <a:cxn ang="0">
+                <a:pos x="connsiteX16" y="connsiteY16"/>
+              </a:cxn>
+              <a:cxn ang="0">
+                <a:pos x="connsiteX17" y="connsiteY17"/>
+              </a:cxn>
+              <a:cxn ang="0">
+                <a:pos x="connsiteX18" y="connsiteY18"/>
+              </a:cxn>
+              <a:cxn ang="0">
+                <a:pos x="connsiteX19" y="connsiteY19"/>
+              </a:cxn>
+              <a:cxn ang="0">
+                <a:pos x="connsiteX20" y="connsiteY20"/>
+              </a:cxn>
+              <a:cxn ang="0">
+                <a:pos x="connsiteX21" y="connsiteY21"/>
+              </a:cxn>
+              <a:cxn ang="0">
+                <a:pos x="connsiteX22" y="connsiteY22"/>
+              </a:cxn>
+              <a:cxn ang="0">
+                <a:pos x="connsiteX23" y="connsiteY23"/>
+              </a:cxn>
+              <a:cxn ang="0">
+                <a:pos x="connsiteX24" y="connsiteY24"/>
+              </a:cxn>
+              <a:cxn ang="0">
+                <a:pos x="connsiteX25" y="connsiteY25"/>
+              </a:cxn>
+              <a:cxn ang="0">
+                <a:pos x="connsiteX26" y="connsiteY26"/>
+              </a:cxn>
+              <a:cxn ang="0">
+                <a:pos x="connsiteX27" y="connsiteY27"/>
+              </a:cxn>
+              <a:cxn ang="0">
+                <a:pos x="connsiteX28" y="connsiteY28"/>
+              </a:cxn>
+              <a:cxn ang="0">
+                <a:pos x="connsiteX29" y="connsiteY29"/>
+              </a:cxn>
+              <a:cxn ang="0">
+                <a:pos x="connsiteX30" y="connsiteY30"/>
+              </a:cxn>
+              <a:cxn ang="0">
+                <a:pos x="connsiteX31" y="connsiteY31"/>
+              </a:cxn>
+              <a:cxn ang="0">
+                <a:pos x="connsiteX32" y="connsiteY32"/>
+              </a:cxn>
+              <a:cxn ang="0">
+                <a:pos x="connsiteX33" y="connsiteY33"/>
+              </a:cxn>
+              <a:cxn ang="0">
+                <a:pos x="connsiteX34" y="connsiteY34"/>
+              </a:cxn>
+              <a:cxn ang="0">
+                <a:pos x="connsiteX35" y="connsiteY35"/>
+              </a:cxn>
+              <a:cxn ang="0">
+                <a:pos x="connsiteX36" y="connsiteY36"/>
+              </a:cxn>
+              <a:cxn ang="0">
+                <a:pos x="connsiteX37" y="connsiteY37"/>
+              </a:cxn>
+              <a:cxn ang="0">
+                <a:pos x="connsiteX38" y="connsiteY38"/>
+              </a:cxn>
+              <a:cxn ang="0">
+                <a:pos x="connsiteX39" y="connsiteY39"/>
+              </a:cxn>
+              <a:cxn ang="0">
+                <a:pos x="connsiteX40" y="connsiteY40"/>
+              </a:cxn>
+              <a:cxn ang="0">
+                <a:pos x="connsiteX41" y="connsiteY41"/>
+              </a:cxn>
+              <a:cxn ang="0">
+                <a:pos x="connsiteX42" y="connsiteY42"/>
+              </a:cxn>
+              <a:cxn ang="0">
+                <a:pos x="connsiteX43" y="connsiteY43"/>
+              </a:cxn>
+              <a:cxn ang="0">
+                <a:pos x="connsiteX44" y="connsiteY44"/>
+              </a:cxn>
+              <a:cxn ang="0">
+                <a:pos x="connsiteX45" y="connsiteY45"/>
+              </a:cxn>
+              <a:cxn ang="0">
+                <a:pos x="connsiteX46" y="connsiteY46"/>
+              </a:cxn>
+              <a:cxn ang="0">
+                <a:pos x="connsiteX47" y="connsiteY47"/>
+              </a:cxn>
+              <a:cxn ang="0">
+                <a:pos x="connsiteX48" y="connsiteY48"/>
+              </a:cxn>
+              <a:cxn ang="0">
+                <a:pos x="connsiteX49" y="connsiteY49"/>
+              </a:cxn>
+              <a:cxn ang="0">
+                <a:pos x="connsiteX50" y="connsiteY50"/>
+              </a:cxn>
+              <a:cxn ang="0">
+                <a:pos x="connsiteX51" y="connsiteY51"/>
+              </a:cxn>
+              <a:cxn ang="0">
+                <a:pos x="connsiteX52" y="connsiteY52"/>
+              </a:cxn>
+              <a:cxn ang="0">
+                <a:pos x="connsiteX53" y="connsiteY53"/>
+              </a:cxn>
+              <a:cxn ang="0">
+                <a:pos x="connsiteX54" y="connsiteY54"/>
+              </a:cxn>
+              <a:cxn ang="0">
+                <a:pos x="connsiteX55" y="connsiteY55"/>
+              </a:cxn>
+              <a:cxn ang="0">
+                <a:pos x="connsiteX56" y="connsiteY56"/>
+              </a:cxn>
+              <a:cxn ang="0">
+                <a:pos x="connsiteX57" y="connsiteY57"/>
+              </a:cxn>
+              <a:cxn ang="0">
+                <a:pos x="connsiteX58" y="connsiteY58"/>
+              </a:cxn>
+              <a:cxn ang="0">
+                <a:pos x="connsiteX59" y="connsiteY59"/>
+              </a:cxn>
+              <a:cxn ang="0">
+                <a:pos x="connsiteX60" y="connsiteY60"/>
+              </a:cxn>
+              <a:cxn ang="0">
+                <a:pos x="connsiteX61" y="connsiteY61"/>
+              </a:cxn>
+              <a:cxn ang="0">
+                <a:pos x="connsiteX62" y="connsiteY62"/>
+              </a:cxn>
+              <a:cxn ang="0">
+                <a:pos x="connsiteX63" y="connsiteY63"/>
+              </a:cxn>
+              <a:cxn ang="0">
+                <a:pos x="connsiteX64" y="connsiteY64"/>
+              </a:cxn>
+            </a:cxnLst>
+            <a:rect l="l" t="t" r="r" b="b"/>
+            <a:pathLst>
+              <a:path w="1184420" h="975335">
+                <a:moveTo>
+                  <a:pt x="92130" y="203068"/>
+                </a:moveTo>
+                <a:cubicBezTo>
+                  <a:pt x="71492" y="240639"/>
+                  <a:pt x="31276" y="338006"/>
+                  <a:pt x="15930" y="390393"/>
+                </a:cubicBezTo>
+                <a:cubicBezTo>
+                  <a:pt x="584" y="442781"/>
+                  <a:pt x="584" y="480351"/>
+                  <a:pt x="55" y="517393"/>
+                </a:cubicBezTo>
+                <a:cubicBezTo>
+                  <a:pt x="-474" y="554435"/>
+                  <a:pt x="2701" y="575601"/>
+                  <a:pt x="12755" y="612643"/>
+                </a:cubicBezTo>
+                <a:cubicBezTo>
+                  <a:pt x="22809" y="649685"/>
+                  <a:pt x="40272" y="701014"/>
+                  <a:pt x="60380" y="739643"/>
+                </a:cubicBezTo>
+                <a:cubicBezTo>
+                  <a:pt x="80488" y="778272"/>
+                  <a:pt x="114884" y="823251"/>
+                  <a:pt x="133405" y="844418"/>
+                </a:cubicBezTo>
+                <a:cubicBezTo>
+                  <a:pt x="151926" y="865585"/>
+                  <a:pt x="150338" y="855001"/>
+                  <a:pt x="171505" y="866643"/>
+                </a:cubicBezTo>
+                <a:cubicBezTo>
+                  <a:pt x="192672" y="878285"/>
+                  <a:pt x="233947" y="902626"/>
+                  <a:pt x="260405" y="914268"/>
+                </a:cubicBezTo>
+                <a:cubicBezTo>
+                  <a:pt x="286863" y="925910"/>
+                  <a:pt x="296388" y="928026"/>
+                  <a:pt x="330255" y="936493"/>
+                </a:cubicBezTo>
+                <a:cubicBezTo>
+                  <a:pt x="364122" y="944960"/>
+                  <a:pt x="428151" y="959776"/>
+                  <a:pt x="463605" y="965068"/>
+                </a:cubicBezTo>
+                <a:cubicBezTo>
+                  <a:pt x="499059" y="970360"/>
+                  <a:pt x="514934" y="966656"/>
+                  <a:pt x="542980" y="968243"/>
+                </a:cubicBezTo>
+                <a:cubicBezTo>
+                  <a:pt x="571026" y="969830"/>
+                  <a:pt x="602247" y="977768"/>
+                  <a:pt x="631880" y="974593"/>
+                </a:cubicBezTo>
+                <a:cubicBezTo>
+                  <a:pt x="661513" y="971418"/>
+                  <a:pt x="689030" y="961893"/>
+                  <a:pt x="720780" y="949193"/>
+                </a:cubicBezTo>
+                <a:cubicBezTo>
+                  <a:pt x="752530" y="936493"/>
+                  <a:pt x="791688" y="914797"/>
+                  <a:pt x="822380" y="898393"/>
+                </a:cubicBezTo>
+                <a:cubicBezTo>
+                  <a:pt x="853072" y="881989"/>
+                  <a:pt x="873180" y="877755"/>
+                  <a:pt x="904930" y="850768"/>
+                </a:cubicBezTo>
+                <a:cubicBezTo>
+                  <a:pt x="936680" y="823781"/>
+                  <a:pt x="983776" y="775097"/>
+                  <a:pt x="1012880" y="736468"/>
+                </a:cubicBezTo>
+                <a:cubicBezTo>
+                  <a:pt x="1041984" y="697839"/>
+                  <a:pt x="1061563" y="652860"/>
+                  <a:pt x="1079555" y="618993"/>
+                </a:cubicBezTo>
+                <a:cubicBezTo>
+                  <a:pt x="1097547" y="585126"/>
+                  <a:pt x="1108659" y="563430"/>
+                  <a:pt x="1120830" y="533268"/>
+                </a:cubicBezTo>
+                <a:cubicBezTo>
+                  <a:pt x="1133001" y="503106"/>
+                  <a:pt x="1144113" y="469768"/>
+                  <a:pt x="1152580" y="438018"/>
+                </a:cubicBezTo>
+                <a:cubicBezTo>
+                  <a:pt x="1161047" y="406268"/>
+                  <a:pt x="1166338" y="378751"/>
+                  <a:pt x="1171630" y="342768"/>
+                </a:cubicBezTo>
+                <a:cubicBezTo>
+                  <a:pt x="1176922" y="306785"/>
+                  <a:pt x="1185388" y="257572"/>
+                  <a:pt x="1184330" y="222118"/>
+                </a:cubicBezTo>
+                <a:cubicBezTo>
+                  <a:pt x="1183272" y="186664"/>
+                  <a:pt x="1178509" y="149622"/>
+                  <a:pt x="1165280" y="130043"/>
+                </a:cubicBezTo>
+                <a:cubicBezTo>
+                  <a:pt x="1152051" y="110464"/>
+                  <a:pt x="1122418" y="107818"/>
+                  <a:pt x="1104955" y="104643"/>
+                </a:cubicBezTo>
+                <a:cubicBezTo>
+                  <a:pt x="1087493" y="101468"/>
+                  <a:pt x="1073734" y="107289"/>
+                  <a:pt x="1060505" y="110993"/>
+                </a:cubicBezTo>
+                <a:cubicBezTo>
+                  <a:pt x="1047276" y="114697"/>
+                  <a:pt x="1046218" y="109935"/>
+                  <a:pt x="1025580" y="126868"/>
+                </a:cubicBezTo>
+                <a:cubicBezTo>
+                  <a:pt x="1004943" y="143801"/>
+                  <a:pt x="958905" y="183489"/>
+                  <a:pt x="936680" y="212593"/>
+                </a:cubicBezTo>
+                <a:cubicBezTo>
+                  <a:pt x="914455" y="241697"/>
+                  <a:pt x="902813" y="276622"/>
+                  <a:pt x="892230" y="301493"/>
+                </a:cubicBezTo>
+                <a:cubicBezTo>
+                  <a:pt x="881647" y="326364"/>
+                  <a:pt x="877413" y="346472"/>
+                  <a:pt x="873180" y="361818"/>
+                </a:cubicBezTo>
+                <a:cubicBezTo>
+                  <a:pt x="868947" y="377164"/>
+                  <a:pt x="874238" y="376106"/>
+                  <a:pt x="866830" y="393568"/>
+                </a:cubicBezTo>
+                <a:cubicBezTo>
+                  <a:pt x="859422" y="411030"/>
+                  <a:pt x="842488" y="445955"/>
+                  <a:pt x="828730" y="466593"/>
+                </a:cubicBezTo>
+                <a:cubicBezTo>
+                  <a:pt x="814972" y="487231"/>
+                  <a:pt x="801213" y="504164"/>
+                  <a:pt x="784280" y="517393"/>
+                </a:cubicBezTo>
+                <a:cubicBezTo>
+                  <a:pt x="767347" y="530622"/>
+                  <a:pt x="748297" y="541735"/>
+                  <a:pt x="727130" y="545968"/>
+                </a:cubicBezTo>
+                <a:cubicBezTo>
+                  <a:pt x="705963" y="550201"/>
+                  <a:pt x="673684" y="549143"/>
+                  <a:pt x="657280" y="542793"/>
+                </a:cubicBezTo>
+                <a:cubicBezTo>
+                  <a:pt x="640876" y="536443"/>
+                  <a:pt x="635584" y="524272"/>
+                  <a:pt x="628705" y="507868"/>
+                </a:cubicBezTo>
+                <a:cubicBezTo>
+                  <a:pt x="621826" y="491464"/>
+                  <a:pt x="618122" y="462360"/>
+                  <a:pt x="616005" y="444368"/>
+                </a:cubicBezTo>
+                <a:cubicBezTo>
+                  <a:pt x="613888" y="426376"/>
+                  <a:pt x="613888" y="415264"/>
+                  <a:pt x="616005" y="399918"/>
+                </a:cubicBezTo>
+                <a:cubicBezTo>
+                  <a:pt x="618122" y="384572"/>
+                  <a:pt x="624472" y="369755"/>
+                  <a:pt x="628705" y="352293"/>
+                </a:cubicBezTo>
+                <a:cubicBezTo>
+                  <a:pt x="632938" y="334831"/>
+                  <a:pt x="641405" y="295143"/>
+                  <a:pt x="641405" y="295143"/>
+                </a:cubicBezTo>
+                <a:cubicBezTo>
+                  <a:pt x="643522" y="282972"/>
+                  <a:pt x="642463" y="288264"/>
+                  <a:pt x="641405" y="279268"/>
+                </a:cubicBezTo>
+                <a:cubicBezTo>
+                  <a:pt x="640347" y="270272"/>
+                  <a:pt x="640876" y="256514"/>
+                  <a:pt x="635055" y="241168"/>
+                </a:cubicBezTo>
+                <a:cubicBezTo>
+                  <a:pt x="629234" y="225822"/>
+                  <a:pt x="617063" y="200422"/>
+                  <a:pt x="606480" y="187193"/>
+                </a:cubicBezTo>
+                <a:cubicBezTo>
+                  <a:pt x="595897" y="173964"/>
+                  <a:pt x="586901" y="167085"/>
+                  <a:pt x="571555" y="161793"/>
+                </a:cubicBezTo>
+                <a:cubicBezTo>
+                  <a:pt x="556209" y="156501"/>
+                  <a:pt x="529222" y="153856"/>
+                  <a:pt x="514405" y="155443"/>
+                </a:cubicBezTo>
+                <a:cubicBezTo>
+                  <a:pt x="499588" y="157030"/>
+                  <a:pt x="494826" y="159676"/>
+                  <a:pt x="482655" y="171318"/>
+                </a:cubicBezTo>
+                <a:cubicBezTo>
+                  <a:pt x="470484" y="182960"/>
+                  <a:pt x="450905" y="212064"/>
+                  <a:pt x="441380" y="225293"/>
+                </a:cubicBezTo>
+                <a:cubicBezTo>
+                  <a:pt x="431855" y="238522"/>
+                  <a:pt x="431855" y="244872"/>
+                  <a:pt x="425505" y="250693"/>
+                </a:cubicBezTo>
+                <a:cubicBezTo>
+                  <a:pt x="419155" y="256514"/>
+                  <a:pt x="415980" y="259689"/>
+                  <a:pt x="403280" y="260218"/>
+                </a:cubicBezTo>
+                <a:cubicBezTo>
+                  <a:pt x="390580" y="260747"/>
+                  <a:pt x="362005" y="255985"/>
+                  <a:pt x="349305" y="253868"/>
+                </a:cubicBezTo>
+                <a:cubicBezTo>
+                  <a:pt x="336605" y="251751"/>
+                  <a:pt x="331313" y="255985"/>
+                  <a:pt x="327080" y="247518"/>
+                </a:cubicBezTo>
+                <a:cubicBezTo>
+                  <a:pt x="322847" y="239051"/>
+                  <a:pt x="321259" y="215768"/>
+                  <a:pt x="323905" y="203068"/>
+                </a:cubicBezTo>
+                <a:cubicBezTo>
+                  <a:pt x="326551" y="190368"/>
+                  <a:pt x="336076" y="179785"/>
+                  <a:pt x="342955" y="171318"/>
+                </a:cubicBezTo>
+                <a:cubicBezTo>
+                  <a:pt x="349834" y="162851"/>
+                  <a:pt x="354597" y="159676"/>
+                  <a:pt x="365180" y="152268"/>
+                </a:cubicBezTo>
+                <a:cubicBezTo>
+                  <a:pt x="375763" y="144860"/>
+                  <a:pt x="406455" y="126868"/>
+                  <a:pt x="406455" y="126868"/>
+                </a:cubicBezTo>
+                <a:lnTo>
+                  <a:pt x="406455" y="126868"/>
+                </a:lnTo>
+                <a:cubicBezTo>
+                  <a:pt x="411747" y="116814"/>
+                  <a:pt x="435559" y="87180"/>
+                  <a:pt x="438205" y="66543"/>
+                </a:cubicBezTo>
+                <a:cubicBezTo>
+                  <a:pt x="440851" y="45906"/>
+                  <a:pt x="435030" y="12568"/>
+                  <a:pt x="422330" y="3043"/>
+                </a:cubicBezTo>
+                <a:cubicBezTo>
+                  <a:pt x="409630" y="-6482"/>
+                  <a:pt x="362005" y="9393"/>
+                  <a:pt x="362005" y="9393"/>
+                </a:cubicBezTo>
+                <a:cubicBezTo>
+                  <a:pt x="351951" y="12568"/>
+                  <a:pt x="368884" y="17860"/>
+                  <a:pt x="362005" y="22093"/>
+                </a:cubicBezTo>
+                <a:cubicBezTo>
+                  <a:pt x="355126" y="26326"/>
+                  <a:pt x="338722" y="34793"/>
+                  <a:pt x="320730" y="34793"/>
+                </a:cubicBezTo>
+                <a:cubicBezTo>
+                  <a:pt x="302738" y="34793"/>
+                  <a:pt x="268872" y="23151"/>
+                  <a:pt x="254055" y="22093"/>
+                </a:cubicBezTo>
+                <a:cubicBezTo>
+                  <a:pt x="239238" y="21035"/>
+                  <a:pt x="237651" y="21035"/>
+                  <a:pt x="231830" y="28443"/>
+                </a:cubicBezTo>
+                <a:cubicBezTo>
+                  <a:pt x="226009" y="35851"/>
+                  <a:pt x="228655" y="50668"/>
+                  <a:pt x="219130" y="66543"/>
+                </a:cubicBezTo>
+                <a:cubicBezTo>
+                  <a:pt x="209605" y="82418"/>
+                  <a:pt x="187909" y="107289"/>
+                  <a:pt x="174680" y="123693"/>
+                </a:cubicBezTo>
+                <a:cubicBezTo>
+                  <a:pt x="161451" y="140097"/>
+                  <a:pt x="150867" y="154914"/>
+                  <a:pt x="139755" y="164968"/>
+                </a:cubicBezTo>
+                <a:cubicBezTo>
+                  <a:pt x="128643" y="175022"/>
+                  <a:pt x="112768" y="165497"/>
+                  <a:pt x="92130" y="203068"/>
+                </a:cubicBezTo>
+                <a:close/>
+              </a:path>
+            </a:pathLst>
+          </a:custGeom>
+          <a:solidFill>
+            <a:schemeClr val="accent1">
+              <a:alpha val="8661"/>
+            </a:schemeClr>
+          </a:solidFill>
+          <a:ln w="9525"/>
+        </p:spPr>
+        <p:style>
+          <a:lnRef idx="2">
+            <a:schemeClr val="accent1">
+              <a:shade val="15000"/>
+            </a:schemeClr>
+          </a:lnRef>
+          <a:fillRef idx="1">
+            <a:schemeClr val="accent1"/>
+          </a:fillRef>
+          <a:effectRef idx="0">
+            <a:schemeClr val="accent1"/>
+          </a:effectRef>
+          <a:fontRef idx="minor">
+            <a:schemeClr val="lt1"/>
+          </a:fontRef>
+        </p:style>
+        <p:txBody>
+          <a:bodyPr rtlCol="0" anchor="ctr"/>
+          <a:lstStyle/>
+          <a:p>
+            <a:pPr algn="ctr"/>
+            <a:endParaRPr lang="en-US"/>
+          </a:p>
+        </p:txBody>
+      </p:sp>
+      <p:cxnSp>
+        <p:nvCxnSpPr>
+          <p:cNvPr id="99" name="Straight Arrow Connector 98">
+            <a:extLst>
+              <a:ext uri="{FF2B5EF4-FFF2-40B4-BE49-F238E27FC236}">
+                <a16:creationId xmlns:a16="http://schemas.microsoft.com/office/drawing/2014/main" id="{CFD5E7A5-C4E1-2632-0188-A36A0EB677EF}"/>
+              </a:ext>
+            </a:extLst>
+          </p:cNvPr>
+          <p:cNvCxnSpPr>
+            <a:stCxn id="97" idx="2"/>
+          </p:cNvCxnSpPr>
+          <p:nvPr/>
+        </p:nvCxnSpPr>
+        <p:spPr>
+          <a:xfrm flipH="1" flipV="1">
+            <a:off x="9734495" y="1590675"/>
+            <a:ext cx="55" cy="936625"/>
+          </a:xfrm>
+          <a:prstGeom prst="straightConnector1">
+            <a:avLst/>
+          </a:prstGeom>
+          <a:ln>
+            <a:tailEnd type="none" w="sm" len="sm"/>
+          </a:ln>
+        </p:spPr>
+        <p:style>
+          <a:lnRef idx="1">
+            <a:schemeClr val="accent1"/>
+          </a:lnRef>
+          <a:fillRef idx="0">
+            <a:schemeClr val="accent1"/>
+          </a:fillRef>
+          <a:effectRef idx="0">
+            <a:schemeClr val="accent1"/>
+          </a:effectRef>
+          <a:fontRef idx="minor">
+            <a:schemeClr val="tx1"/>
+          </a:fontRef>
+        </p:style>
+      </p:cxnSp>
+      <p:cxnSp>
+        <p:nvCxnSpPr>
+          <p:cNvPr id="101" name="Straight Arrow Connector 100">
+            <a:extLst>
+              <a:ext uri="{FF2B5EF4-FFF2-40B4-BE49-F238E27FC236}">
+                <a16:creationId xmlns:a16="http://schemas.microsoft.com/office/drawing/2014/main" id="{6C4B8756-E811-CA2F-D20F-66FA3A9E5A61}"/>
+              </a:ext>
+            </a:extLst>
+          </p:cNvPr>
+          <p:cNvCxnSpPr>
+            <a:cxnSpLocks/>
+            <a:stCxn id="97" idx="11"/>
+          </p:cNvCxnSpPr>
+          <p:nvPr/>
+        </p:nvCxnSpPr>
+        <p:spPr>
+          <a:xfrm>
+            <a:off x="10366375" y="2984500"/>
+            <a:ext cx="1069975" cy="0"/>
+          </a:xfrm>
+          <a:prstGeom prst="straightConnector1">
+            <a:avLst/>
+          </a:prstGeom>
+          <a:ln>
+            <a:tailEnd type="none" w="sm" len="sm"/>
+          </a:ln>
+        </p:spPr>
+        <p:style>
+          <a:lnRef idx="1">
+            <a:schemeClr val="accent1"/>
+          </a:lnRef>
+          <a:fillRef idx="0">
+            <a:schemeClr val="accent1"/>
+          </a:fillRef>
+          <a:effectRef idx="0">
+            <a:schemeClr val="accent1"/>
+          </a:effectRef>
+          <a:fontRef idx="minor">
+            <a:schemeClr val="tx1"/>
+          </a:fontRef>
+        </p:style>
+      </p:cxnSp>
+      <p:cxnSp>
+        <p:nvCxnSpPr>
+          <p:cNvPr id="103" name="Straight Arrow Connector 102">
+            <a:extLst>
+              <a:ext uri="{FF2B5EF4-FFF2-40B4-BE49-F238E27FC236}">
+                <a16:creationId xmlns:a16="http://schemas.microsoft.com/office/drawing/2014/main" id="{119F720C-665E-3EB8-3D47-ED8332D5B493}"/>
+              </a:ext>
+            </a:extLst>
+          </p:cNvPr>
+          <p:cNvCxnSpPr/>
+          <p:nvPr/>
+        </p:nvCxnSpPr>
+        <p:spPr>
+          <a:xfrm flipV="1">
+            <a:off x="9563100" y="1447800"/>
+            <a:ext cx="0" cy="1597024"/>
+          </a:xfrm>
+          <a:prstGeom prst="straightConnector1">
+            <a:avLst/>
+          </a:prstGeom>
+          <a:ln>
+            <a:tailEnd type="triangle" w="sm" len="sm"/>
+          </a:ln>
+        </p:spPr>
+        <p:style>
+          <a:lnRef idx="1">
+            <a:schemeClr val="accent1"/>
+          </a:lnRef>
+          <a:fillRef idx="0">
+            <a:schemeClr val="accent1"/>
+          </a:fillRef>
+          <a:effectRef idx="0">
+            <a:schemeClr val="accent1"/>
+          </a:effectRef>
+          <a:fontRef idx="minor">
+            <a:schemeClr val="tx1"/>
+          </a:fontRef>
+        </p:style>
+      </p:cxnSp>
+      <p:cxnSp>
+        <p:nvCxnSpPr>
+          <p:cNvPr id="105" name="Straight Arrow Connector 104">
+            <a:extLst>
+              <a:ext uri="{FF2B5EF4-FFF2-40B4-BE49-F238E27FC236}">
+                <a16:creationId xmlns:a16="http://schemas.microsoft.com/office/drawing/2014/main" id="{2CC1075C-3FE9-5F6E-27EC-5BBF8DCC419C}"/>
+              </a:ext>
+            </a:extLst>
+          </p:cNvPr>
+          <p:cNvCxnSpPr/>
+          <p:nvPr/>
+        </p:nvCxnSpPr>
+        <p:spPr>
+          <a:xfrm>
+            <a:off x="9569450" y="3044824"/>
+            <a:ext cx="2273300" cy="13970"/>
+          </a:xfrm>
+          <a:prstGeom prst="straightConnector1">
+            <a:avLst/>
+          </a:prstGeom>
+          <a:ln>
+            <a:tailEnd type="triangle" w="sm" len="sm"/>
+          </a:ln>
+        </p:spPr>
+        <p:style>
+          <a:lnRef idx="1">
+            <a:schemeClr val="accent1"/>
+          </a:lnRef>
+          <a:fillRef idx="0">
+            <a:schemeClr val="accent1"/>
+          </a:fillRef>
+          <a:effectRef idx="0">
+            <a:schemeClr val="accent1"/>
+          </a:effectRef>
+          <a:fontRef idx="minor">
+            <a:schemeClr val="tx1"/>
+          </a:fontRef>
+        </p:style>
+      </p:cxnSp>
     </p:spTree>
     <p:extLst>
       <p:ext uri="{BB962C8B-B14F-4D97-AF65-F5344CB8AC3E}">
